--- a/assigment.pptx
+++ b/assigment.pptx
@@ -6233,7 +6233,7 @@
                   <a:srgbClr val="00B0F0"/>
                 </a:solidFill>
               </a:rPr>
-              <a:t>Standard cylinder CRDSNU-12-25-P-A</a:t>
+              <a:t>Festo Standard cylinder CRDSNU-12-25-P-A</a:t>
             </a:r>
           </a:p>
         </p:txBody>
@@ -6688,21 +6688,37 @@
         </p:nvSpPr>
         <p:spPr>
           <a:xfrm>
-            <a:off x="838200" y="365126"/>
-            <a:ext cx="4971046" cy="988662"/>
+            <a:off x="666041" y="362178"/>
+            <a:ext cx="5143202" cy="988662"/>
           </a:xfrm>
         </p:spPr>
         <p:txBody>
           <a:bodyPr/>
           <a:lstStyle/>
           <a:p>
+            <a:pPr algn="ctr"/>
             <a:r>
               <a:rPr lang="en-US" dirty="0">
                 <a:solidFill>
                   <a:srgbClr val="00B0F0"/>
                 </a:solidFill>
               </a:rPr>
-              <a:t>Hinge support CRLBN-12/16</a:t>
+              <a:t>Festo Hinge support </a:t>
+            </a:r>
+            <a:br>
+              <a:rPr lang="en-US" dirty="0">
+                <a:solidFill>
+                  <a:srgbClr val="00B0F0"/>
+                </a:solidFill>
+              </a:rPr>
+            </a:br>
+            <a:r>
+              <a:rPr lang="en-US" dirty="0">
+                <a:solidFill>
+                  <a:srgbClr val="00B0F0"/>
+                </a:solidFill>
+              </a:rPr>
+              <a:t>CRLBN-12/16</a:t>
             </a:r>
           </a:p>
         </p:txBody>
@@ -6845,7 +6861,7 @@
         </p:blipFill>
         <p:spPr>
           <a:xfrm>
-            <a:off x="2192364" y="2510699"/>
+            <a:off x="2106284" y="2638021"/>
             <a:ext cx="2262717" cy="2664803"/>
           </a:xfrm>
           <a:prstGeom prst="rect">
@@ -6868,13 +6884,13 @@
           <p:nvPr>
             <p:extLst>
               <p:ext uri="{D42A27DB-BD31-4B8C-83A1-F6EECF244321}">
-                <p14:modId xmlns:p14="http://schemas.microsoft.com/office/powerpoint/2010/main" val="3095234946"/>
+                <p14:modId xmlns:p14="http://schemas.microsoft.com/office/powerpoint/2010/main" val="1241038722"/>
               </p:ext>
             </p:extLst>
           </p:nvPr>
         </p:nvGraphicFramePr>
         <p:xfrm>
-          <a:off x="1053244" y="1129723"/>
+          <a:off x="967164" y="1257045"/>
           <a:ext cx="4540958" cy="741680"/>
         </p:xfrm>
         <a:graphic>
@@ -6939,9 +6955,14 @@
                     <a:lstStyle/>
                     <a:p>
                       <a:r>
-                        <a:rPr lang="en-US"/>
+                        <a:rPr lang="en-US" dirty="0"/>
                         <a:t>RS Components Italy</a:t>
                       </a:r>
+                      <a:r>
+                        <a:rPr lang="en-US" baseline="30000" dirty="0"/>
+                        <a:t>1</a:t>
+                      </a:r>
+                      <a:endParaRPr lang="en-US" dirty="0"/>
                     </a:p>
                   </a:txBody>
                   <a:tcPr anchor="ctr"/>
@@ -6984,13 +7005,13 @@
           <p:nvPr>
             <p:extLst>
               <p:ext uri="{D42A27DB-BD31-4B8C-83A1-F6EECF244321}">
-                <p14:modId xmlns:p14="http://schemas.microsoft.com/office/powerpoint/2010/main" val="3945615692"/>
+                <p14:modId xmlns:p14="http://schemas.microsoft.com/office/powerpoint/2010/main" val="1881042675"/>
               </p:ext>
             </p:extLst>
           </p:nvPr>
         </p:nvGraphicFramePr>
         <p:xfrm>
-          <a:off x="6597800" y="1141846"/>
+          <a:off x="6511720" y="1269168"/>
           <a:ext cx="4540958" cy="741680"/>
         </p:xfrm>
         <a:graphic>
@@ -7107,7 +7128,7 @@
         </p:blipFill>
         <p:spPr>
           <a:xfrm>
-            <a:off x="7736921" y="2515964"/>
+            <a:off x="7650841" y="2643286"/>
             <a:ext cx="2262718" cy="2659538"/>
           </a:xfrm>
           <a:prstGeom prst="rect">
@@ -7131,7 +7152,7 @@
         </p:nvSpPr>
         <p:spPr>
           <a:xfrm>
-            <a:off x="6296678" y="365126"/>
+            <a:off x="6210598" y="374301"/>
             <a:ext cx="5143202" cy="988662"/>
           </a:xfrm>
           <a:prstGeom prst="rect">
@@ -7165,13 +7186,25 @@
             </a:lvl1pPr>
           </a:lstStyle>
           <a:p>
+            <a:pPr algn="ctr"/>
             <a:r>
               <a:rPr lang="en-US" dirty="0">
                 <a:solidFill>
                   <a:srgbClr val="00B0F0"/>
                 </a:solidFill>
               </a:rPr>
-              <a:t>Foot bracket CRHBN-12/16X1</a:t>
+              <a:t>Festo Foot bracket</a:t>
+            </a:r>
+          </a:p>
+          <a:p>
+            <a:pPr algn="ctr"/>
+            <a:r>
+              <a:rPr lang="en-US" dirty="0">
+                <a:solidFill>
+                  <a:srgbClr val="00B0F0"/>
+                </a:solidFill>
+              </a:rPr>
+              <a:t>CRHBN-12/16X1</a:t>
             </a:r>
           </a:p>
         </p:txBody>
@@ -7233,31 +7266,6 @@
               <a:t>12</a:t>
             </a:fld>
             <a:endParaRPr lang="it-IT"/>
-          </a:p>
-        </p:txBody>
-      </p:sp>
-      <p:sp>
-        <p:nvSpPr>
-          <p:cNvPr id="4" name="Text Placeholder 3">
-            <a:extLst>
-              <a:ext uri="{FF2B5EF4-FFF2-40B4-BE49-F238E27FC236}">
-                <a16:creationId xmlns:a16="http://schemas.microsoft.com/office/drawing/2014/main" id="{53811EDE-B6A6-66D1-4F08-D18F865DF156}"/>
-              </a:ext>
-            </a:extLst>
-          </p:cNvPr>
-          <p:cNvSpPr>
-            <a:spLocks noGrp="1"/>
-          </p:cNvSpPr>
-          <p:nvPr>
-            <p:ph type="body" sz="quarter" idx="17"/>
-          </p:nvPr>
-        </p:nvSpPr>
-        <p:spPr/>
-        <p:txBody>
-          <a:bodyPr/>
-          <a:lstStyle/>
-          <a:p>
-            <a:endParaRPr lang="en-US" dirty="0"/>
           </a:p>
         </p:txBody>
       </p:sp>
@@ -7670,7 +7678,7 @@
           <a:p>
             <a:r>
               <a:rPr lang="en-US" dirty="0"/>
-              <a:t>Robotic automation is important because it can help reduce risks in jobs involving physical and chemical hazards, in line with the principles of </a:t>
+              <a:t>Robotic automation is an important resource that can help reduce risks in jobs decreasing physical and chemical hazards, in line with the principles of </a:t>
             </a:r>
             <a:r>
               <a:rPr lang="en-US" dirty="0" err="1"/>
@@ -7759,6 +7767,42 @@
               <a:rPr lang="it-IT" dirty="0"/>
               <a:t>Global challenge</a:t>
             </a:r>
+          </a:p>
+        </p:txBody>
+      </p:sp>
+      <p:sp>
+        <p:nvSpPr>
+          <p:cNvPr id="4" name="TextBox 3">
+            <a:extLst>
+              <a:ext uri="{FF2B5EF4-FFF2-40B4-BE49-F238E27FC236}">
+                <a16:creationId xmlns:a16="http://schemas.microsoft.com/office/drawing/2014/main" id="{31700D8C-BAA1-17E5-70E9-D1C3A6D99EAF}"/>
+              </a:ext>
+            </a:extLst>
+          </p:cNvPr>
+          <p:cNvSpPr txBox="1"/>
+          <p:nvPr/>
+        </p:nvSpPr>
+        <p:spPr>
+          <a:xfrm>
+            <a:off x="1678329" y="2743200"/>
+            <a:ext cx="0" cy="0"/>
+          </a:xfrm>
+          <a:prstGeom prst="rect">
+            <a:avLst/>
+          </a:prstGeom>
+        </p:spPr>
+        <p:txBody>
+          <a:bodyPr vert="horz" wrap="none" lIns="91440" tIns="45720" rIns="91440" bIns="45720" rtlCol="0" anchor="ctr">
+            <a:normAutofit fontScale="25000" lnSpcReduction="20000"/>
+          </a:bodyPr>
+          <a:lstStyle/>
+          <a:p>
+            <a:pPr marL="0" indent="0" algn="l">
+              <a:buNone/>
+            </a:pPr>
+            <a:endParaRPr lang="en-US" sz="1050" b="0" i="1" dirty="0">
+              <a:latin typeface="Fira Sans" panose="020B0503050000020004" pitchFamily="34" charset="0"/>
+            </a:endParaRPr>
           </a:p>
         </p:txBody>
       </p:sp>
@@ -7822,7 +7866,7 @@
           <a:p>
             <a:r>
               <a:rPr lang="en-US" dirty="0"/>
-              <a:t>Out target</a:t>
+              <a:t>Our target</a:t>
             </a:r>
           </a:p>
         </p:txBody>
@@ -7903,7 +7947,7 @@
           <a:p>
             <a:r>
               <a:rPr lang="en-US" dirty="0"/>
-              <a:t>The specific task is designing a mechanical hand to grab a specific wine grape:</a:t>
+              <a:t>The specific task is designing a mechanical hand to grab a general wine grape:</a:t>
             </a:r>
           </a:p>
           <a:p>
@@ -7923,7 +7967,7 @@
             </a:pPr>
             <a:r>
               <a:rPr lang="en-US" dirty="0"/>
-              <a:t>Hight w = 12-20 cm;</a:t>
+              <a:t>Height w = 12-20 cm;</a:t>
             </a:r>
           </a:p>
           <a:p>
@@ -8231,7 +8275,7 @@
           <a:p>
             <a:r>
               <a:rPr lang="en-US" dirty="0"/>
-              <a:t>The Crispino end effector is inspired by a robotic hand provided by our professors. The finger design has been modified, new features have been added, and the actuators have been adjusted. Consequently, the result is a fully functional robotic hand that is tailored for grasping objects with a specific purpose.</a:t>
+              <a:t>The Crispino end effector is inspired by a robotic hand provided during the lectures and modeled with PTC Creo®. The finger design has been modified, new features have been added, and the actuators have been adjusted. Consequently, the result is a fully functional robotic hand that is tailored for grasping objects with a specific purpose.</a:t>
             </a:r>
           </a:p>
         </p:txBody>
@@ -8573,6 +8617,42 @@
               <a:rPr lang="en-US" dirty="0"/>
               <a:t>Grabbing Mechanism</a:t>
             </a:r>
+          </a:p>
+        </p:txBody>
+      </p:sp>
+      <p:sp>
+        <p:nvSpPr>
+          <p:cNvPr id="6" name="TextBox 5">
+            <a:extLst>
+              <a:ext uri="{FF2B5EF4-FFF2-40B4-BE49-F238E27FC236}">
+                <a16:creationId xmlns:a16="http://schemas.microsoft.com/office/drawing/2014/main" id="{D2AB478F-B90A-742A-3E51-88636C1E6197}"/>
+              </a:ext>
+            </a:extLst>
+          </p:cNvPr>
+          <p:cNvSpPr txBox="1"/>
+          <p:nvPr/>
+        </p:nvSpPr>
+        <p:spPr>
+          <a:xfrm>
+            <a:off x="497711" y="3576577"/>
+            <a:ext cx="0" cy="0"/>
+          </a:xfrm>
+          <a:prstGeom prst="rect">
+            <a:avLst/>
+          </a:prstGeom>
+        </p:spPr>
+        <p:txBody>
+          <a:bodyPr vert="horz" wrap="none" lIns="91440" tIns="45720" rIns="91440" bIns="45720" rtlCol="0" anchor="ctr">
+            <a:normAutofit fontScale="25000" lnSpcReduction="20000"/>
+          </a:bodyPr>
+          <a:lstStyle/>
+          <a:p>
+            <a:pPr marL="0" indent="0" algn="l">
+              <a:buNone/>
+            </a:pPr>
+            <a:endParaRPr lang="en-US" sz="1050" b="0" i="1" dirty="0">
+              <a:latin typeface="Fira Sans" panose="020B0503050000020004" pitchFamily="34" charset="0"/>
+            </a:endParaRPr>
           </a:p>
         </p:txBody>
       </p:sp>
@@ -8614,31 +8694,6 @@
       </p:grpSpPr>
       <p:sp>
         <p:nvSpPr>
-          <p:cNvPr id="2" name="Picture Placeholder 1">
-            <a:extLst>
-              <a:ext uri="{FF2B5EF4-FFF2-40B4-BE49-F238E27FC236}">
-                <a16:creationId xmlns:a16="http://schemas.microsoft.com/office/drawing/2014/main" id="{80215A75-EB41-C95F-8038-B5DD7C59970E}"/>
-              </a:ext>
-            </a:extLst>
-          </p:cNvPr>
-          <p:cNvSpPr>
-            <a:spLocks noGrp="1"/>
-          </p:cNvSpPr>
-          <p:nvPr>
-            <p:ph type="pic" idx="1"/>
-          </p:nvPr>
-        </p:nvSpPr>
-        <p:spPr/>
-        <p:txBody>
-          <a:bodyPr/>
-          <a:lstStyle/>
-          <a:p>
-            <a:endParaRPr lang="en-US" dirty="0"/>
-          </a:p>
-        </p:txBody>
-      </p:sp>
-      <p:sp>
-        <p:nvSpPr>
           <p:cNvPr id="3" name="Text Placeholder 2">
             <a:extLst>
               <a:ext uri="{FF2B5EF4-FFF2-40B4-BE49-F238E27FC236}">
@@ -8723,6 +8778,183 @@
           </a:p>
         </p:txBody>
       </p:sp>
+      <mc:AlternateContent xmlns:mc="http://schemas.openxmlformats.org/markup-compatibility/2006">
+        <mc:Choice xmlns:am3d="http://schemas.microsoft.com/office/drawing/2017/model3d" Requires="am3d">
+          <p:graphicFrame>
+            <p:nvGraphicFramePr>
+              <p:cNvPr id="9" name="Picture Placeholder 8">
+                <a:extLst>
+                  <a:ext uri="{FF2B5EF4-FFF2-40B4-BE49-F238E27FC236}">
+                    <a16:creationId xmlns:a16="http://schemas.microsoft.com/office/drawing/2014/main" id="{A2D39FCF-AA4F-6F02-F450-48808E2B08DA}"/>
+                  </a:ext>
+                </a:extLst>
+              </p:cNvPr>
+              <p:cNvGraphicFramePr>
+                <a:graphicFrameLocks noGrp="1" noChangeAspect="1"/>
+              </p:cNvGraphicFramePr>
+              <p:nvPr>
+                <p:ph type="pic" idx="1"/>
+                <p:extLst>
+                  <p:ext uri="{D42A27DB-BD31-4B8C-83A1-F6EECF244321}">
+                    <p14:modId xmlns:p14="http://schemas.microsoft.com/office/powerpoint/2010/main" val="2557720759"/>
+                  </p:ext>
+                </p:extLst>
+              </p:nvPr>
+            </p:nvGraphicFramePr>
+            <p:xfrm>
+              <a:off x="8173222" y="710929"/>
+              <a:ext cx="2192700" cy="4752964"/>
+            </p:xfrm>
+            <a:graphic>
+              <a:graphicData uri="http://schemas.microsoft.com/office/drawing/2017/model3d">
+                <am3d:model3d r:embed="rId2">
+                  <am3d:spPr>
+                    <a:xfrm>
+                      <a:off x="0" y="0"/>
+                      <a:ext cx="2192700" cy="4752964"/>
+                    </a:xfrm>
+                    <a:prstGeom prst="rect">
+                      <a:avLst/>
+                    </a:prstGeom>
+                    <a:effectLst>
+                      <a:glow>
+                        <a:schemeClr val="accent1">
+                          <a:alpha val="40000"/>
+                        </a:schemeClr>
+                      </a:glow>
+                      <a:outerShdw dist="50800" dir="5400000" sx="1000" sy="1000" algn="ctr" rotWithShape="0">
+                        <a:srgbClr val="000000"/>
+                      </a:outerShdw>
+                      <a:reflection endPos="65000" dist="50800" dir="5400000" sy="-100000" algn="bl" rotWithShape="0"/>
+                      <a:softEdge rad="0"/>
+                    </a:effectLst>
+                    <a:scene3d>
+                      <a:camera prst="orthographicFront"/>
+                      <a:lightRig rig="harsh" dir="t">
+                        <a:rot lat="0" lon="0" rev="0"/>
+                      </a:lightRig>
+                    </a:scene3d>
+                    <a:sp3d extrusionH="1270000" contourW="12700" prstMaterial="metal">
+                      <a:extrusionClr>
+                        <a:schemeClr val="tx1"/>
+                      </a:extrusionClr>
+                      <a:contourClr>
+                        <a:schemeClr val="bg1"/>
+                      </a:contourClr>
+                    </a:sp3d>
+                  </am3d:spPr>
+                  <am3d:camera>
+                    <am3d:pos x="0" y="0" z="51415230"/>
+                    <am3d:up dx="0" dy="36000000" dz="0"/>
+                    <am3d:lookAt x="0" y="0" z="0"/>
+                    <am3d:perspective fov="2700000"/>
+                  </am3d:camera>
+                  <am3d:trans>
+                    <am3d:meterPerModelUnit n="3334" d="1000000"/>
+                    <am3d:preTrans dx="6591184" dy="-11037869" dz="2812244"/>
+                    <am3d:scale>
+                      <am3d:sx n="1000000" d="1000000"/>
+                      <am3d:sy n="1000000" d="1000000"/>
+                      <am3d:sz n="1000000" d="1000000"/>
+                    </am3d:scale>
+                    <am3d:rot ax="8420012" ay="1737938" az="9531456"/>
+                    <am3d:postTrans dx="0" dy="0" dz="0"/>
+                  </am3d:trans>
+                  <am3d:raster rName="Office3DRenderer" rVer="16.0.8326">
+                    <am3d:blip r:embed="rId3"/>
+                  </am3d:raster>
+                  <am3d:objViewport viewportSz="5868324"/>
+                  <am3d:ambientLight>
+                    <am3d:clr>
+                      <a:scrgbClr r="50000" g="50000" b="50000"/>
+                    </am3d:clr>
+                    <am3d:illuminance n="500000" d="1000000"/>
+                  </am3d:ambientLight>
+                  <am3d:ptLight rad="0">
+                    <am3d:clr>
+                      <a:scrgbClr r="100000" g="75000" b="50000"/>
+                    </am3d:clr>
+                    <am3d:intensity n="9765625" d="1000000"/>
+                    <am3d:pos x="21959998" y="70920001" z="16344003"/>
+                  </am3d:ptLight>
+                  <am3d:ptLight rad="0">
+                    <am3d:clr>
+                      <a:scrgbClr r="40000" g="60000" b="95000"/>
+                    </am3d:clr>
+                    <am3d:intensity n="12250000" d="1000000"/>
+                    <am3d:pos x="-37964106" y="51130435" z="57631972"/>
+                  </am3d:ptLight>
+                  <am3d:ptLight rad="0">
+                    <am3d:clr>
+                      <a:scrgbClr r="86837" g="72700" b="100000"/>
+                    </am3d:clr>
+                    <am3d:intensity n="3125000" d="1000000"/>
+                    <am3d:pos x="-37739122" y="58056624" z="-34769649"/>
+                  </am3d:ptLight>
+                </am3d:model3d>
+              </a:graphicData>
+            </a:graphic>
+          </p:graphicFrame>
+        </mc:Choice>
+        <mc:Fallback>
+          <p:pic>
+            <p:nvPicPr>
+              <p:cNvPr id="9" name="Picture Placeholder 8">
+                <a:extLst>
+                  <a:ext uri="{FF2B5EF4-FFF2-40B4-BE49-F238E27FC236}">
+                    <a16:creationId xmlns:a16="http://schemas.microsoft.com/office/drawing/2014/main" id="{A2D39FCF-AA4F-6F02-F450-48808E2B08DA}"/>
+                  </a:ext>
+                </a:extLst>
+              </p:cNvPr>
+              <p:cNvPicPr>
+                <a:picLocks noGrp="1" noRot="1" noChangeAspect="1" noMove="1" noResize="1" noEditPoints="1" noAdjustHandles="1" noChangeArrowheads="1" noChangeShapeType="1" noCrop="1"/>
+              </p:cNvPicPr>
+              <p:nvPr/>
+            </p:nvPicPr>
+            <p:blipFill>
+              <a:blip r:embed="rId3"/>
+              <a:stretch>
+                <a:fillRect/>
+              </a:stretch>
+            </p:blipFill>
+            <p:spPr>
+              <a:xfrm>
+                <a:off x="8173222" y="710929"/>
+                <a:ext cx="2192700" cy="4752964"/>
+              </a:xfrm>
+              <a:prstGeom prst="rect">
+                <a:avLst/>
+              </a:prstGeom>
+              <a:effectLst>
+                <a:glow>
+                  <a:schemeClr val="accent1">
+                    <a:alpha val="40000"/>
+                  </a:schemeClr>
+                </a:glow>
+                <a:outerShdw dist="50800" dir="5400000" sx="1000" sy="1000" algn="ctr" rotWithShape="0">
+                  <a:srgbClr val="000000"/>
+                </a:outerShdw>
+                <a:reflection endPos="65000" dist="50800" dir="5400000" sy="-100000" algn="bl" rotWithShape="0"/>
+                <a:softEdge rad="0"/>
+              </a:effectLst>
+              <a:scene3d>
+                <a:camera prst="orthographicFront"/>
+                <a:lightRig rig="harsh" dir="t">
+                  <a:rot lat="0" lon="0" rev="0"/>
+                </a:lightRig>
+              </a:scene3d>
+              <a:sp3d extrusionH="1270000" contourW="12700" prstMaterial="metal">
+                <a:extrusionClr>
+                  <a:schemeClr val="tx1"/>
+                </a:extrusionClr>
+                <a:contourClr>
+                  <a:schemeClr val="bg1"/>
+                </a:contourClr>
+              </a:sp3d>
+            </p:spPr>
+          </p:pic>
+        </mc:Fallback>
+      </mc:AlternateContent>
     </p:spTree>
     <p:extLst>
       <p:ext uri="{BB962C8B-B14F-4D97-AF65-F5344CB8AC3E}">
@@ -8956,10 +9188,13 @@
             <a:r>
               <a:rPr lang="en-US" dirty="0">
                 <a:solidFill>
-                  <a:srgbClr val="00B0F0"/>
+                  <a:schemeClr val="tx1">
+                    <a:lumMod val="85000"/>
+                    <a:lumOff val="15000"/>
+                  </a:schemeClr>
                 </a:solidFill>
               </a:rPr>
-              <a:t>Festo components</a:t>
+              <a:t>Bill of materials</a:t>
             </a:r>
           </a:p>
         </p:txBody>
